--- a/NguyenTanDat_DH52110780_LeThiLyLy_DH52104298.pptx
+++ b/NguyenTanDat_DH52110780_LeThiLyLy_DH52104298.pptx
@@ -4109,9 +4109,9 @@
         <p:grpSpPr>
           <a:xfrm rot="0">
             <a:off x="1386880" y="4592366"/>
-            <a:ext cx="3086100" cy="4497672"/>
+            <a:ext cx="3086100" cy="4930402"/>
             <a:chOff x="0" y="0"/>
-            <a:chExt cx="812800" cy="1184572"/>
+            <a:chExt cx="812800" cy="1298542"/>
           </a:xfrm>
         </p:grpSpPr>
         <p:sp>
@@ -4123,7 +4123,7 @@
           <p:spPr>
             <a:xfrm flipH="false" flipV="false" rot="0">
               <a:off x="0" y="0"/>
-              <a:ext cx="812800" cy="1184572"/>
+              <a:ext cx="812800" cy="1298542"/>
             </a:xfrm>
             <a:custGeom>
               <a:avLst/>
@@ -4132,7 +4132,7 @@
               <a:cxnLst/>
               <a:rect r="r" b="b" t="t" l="l"/>
               <a:pathLst>
-                <a:path h="1184572" w="812800">
+                <a:path h="1298542" w="812800">
                   <a:moveTo>
                     <a:pt x="42647" y="0"/>
                   </a:moveTo>
@@ -4150,25 +4150,25 @@
                     <a:pt x="812800" y="42647"/>
                   </a:cubicBezTo>
                   <a:lnTo>
-                    <a:pt x="812800" y="1141925"/>
+                    <a:pt x="812800" y="1255895"/>
                   </a:lnTo>
                   <a:cubicBezTo>
-                    <a:pt x="812800" y="1165478"/>
-                    <a:pt x="793706" y="1184572"/>
-                    <a:pt x="770153" y="1184572"/>
+                    <a:pt x="812800" y="1267206"/>
+                    <a:pt x="808307" y="1278053"/>
+                    <a:pt x="800309" y="1286051"/>
+                  </a:cubicBezTo>
+                  <a:cubicBezTo>
+                    <a:pt x="792311" y="1294049"/>
+                    <a:pt x="781464" y="1298542"/>
+                    <a:pt x="770153" y="1298542"/>
                   </a:cubicBezTo>
                   <a:lnTo>
-                    <a:pt x="42647" y="1184572"/>
+                    <a:pt x="42647" y="1298542"/>
                   </a:lnTo>
                   <a:cubicBezTo>
-                    <a:pt x="31336" y="1184572"/>
-                    <a:pt x="20489" y="1180079"/>
-                    <a:pt x="12491" y="1172081"/>
-                  </a:cubicBezTo>
-                  <a:cubicBezTo>
-                    <a:pt x="4493" y="1164083"/>
-                    <a:pt x="0" y="1153236"/>
-                    <a:pt x="0" y="1141925"/>
+                    <a:pt x="19094" y="1298542"/>
+                    <a:pt x="0" y="1279448"/>
+                    <a:pt x="0" y="1255895"/>
                   </a:cubicBezTo>
                   <a:lnTo>
                     <a:pt x="0" y="42647"/>
@@ -4201,7 +4201,7 @@
           <p:spPr>
             <a:xfrm>
               <a:off x="0" y="-38100"/>
-              <a:ext cx="812800" cy="1222672"/>
+              <a:ext cx="812800" cy="1336642"/>
             </a:xfrm>
             <a:prstGeom prst="rect">
               <a:avLst/>
@@ -4240,10 +4240,10 @@
         </p:nvGrpSpPr>
         <p:grpSpPr>
           <a:xfrm rot="0">
-            <a:off x="5528270" y="4654132"/>
-            <a:ext cx="3086100" cy="4435906"/>
+            <a:off x="5528270" y="4660075"/>
+            <a:ext cx="3086100" cy="4862693"/>
             <a:chOff x="0" y="0"/>
-            <a:chExt cx="812800" cy="1168305"/>
+            <a:chExt cx="812800" cy="1280709"/>
           </a:xfrm>
         </p:grpSpPr>
         <p:sp>
@@ -4255,7 +4255,7 @@
           <p:spPr>
             <a:xfrm flipH="false" flipV="false" rot="0">
               <a:off x="0" y="0"/>
-              <a:ext cx="812800" cy="1168305"/>
+              <a:ext cx="812800" cy="1280709"/>
             </a:xfrm>
             <a:custGeom>
               <a:avLst/>
@@ -4264,7 +4264,7 @@
               <a:cxnLst/>
               <a:rect r="r" b="b" t="t" l="l"/>
               <a:pathLst>
-                <a:path h="1168305" w="812800">
+                <a:path h="1280709" w="812800">
                   <a:moveTo>
                     <a:pt x="42647" y="0"/>
                   </a:moveTo>
@@ -4282,25 +4282,30 @@
                     <a:pt x="812800" y="42647"/>
                   </a:cubicBezTo>
                   <a:lnTo>
-                    <a:pt x="812800" y="1125658"/>
+                    <a:pt x="812800" y="1238062"/>
                   </a:lnTo>
                   <a:cubicBezTo>
-                    <a:pt x="812800" y="1136968"/>
-                    <a:pt x="808307" y="1147816"/>
-                    <a:pt x="800309" y="1155814"/>
-                  </a:cubicBezTo>
-                  <a:cubicBezTo>
-                    <a:pt x="792311" y="1163811"/>
-                    <a:pt x="781464" y="1168305"/>
-                    <a:pt x="770153" y="1168305"/>
+                    <a:pt x="812800" y="1249373"/>
+                    <a:pt x="808307" y="1260220"/>
+                    <a:pt x="800309" y="1268218"/>
+                  </a:cubicBezTo>
+                  <a:cubicBezTo>
+                    <a:pt x="792311" y="1276216"/>
+                    <a:pt x="781464" y="1280709"/>
+                    <a:pt x="770153" y="1280709"/>
                   </a:cubicBezTo>
                   <a:lnTo>
-                    <a:pt x="42647" y="1168305"/>
+                    <a:pt x="42647" y="1280709"/>
                   </a:lnTo>
                   <a:cubicBezTo>
-                    <a:pt x="19094" y="1168305"/>
-                    <a:pt x="0" y="1149211"/>
-                    <a:pt x="0" y="1125658"/>
+                    <a:pt x="31336" y="1280709"/>
+                    <a:pt x="20489" y="1276216"/>
+                    <a:pt x="12491" y="1268218"/>
+                  </a:cubicBezTo>
+                  <a:cubicBezTo>
+                    <a:pt x="4493" y="1260220"/>
+                    <a:pt x="0" y="1249373"/>
+                    <a:pt x="0" y="1238062"/>
                   </a:cubicBezTo>
                   <a:lnTo>
                     <a:pt x="0" y="42647"/>
@@ -4333,7 +4338,7 @@
           <p:spPr>
             <a:xfrm>
               <a:off x="0" y="-38100"/>
-              <a:ext cx="812800" cy="1206405"/>
+              <a:ext cx="812800" cy="1318809"/>
             </a:xfrm>
             <a:prstGeom prst="rect">
               <a:avLst/>
@@ -4360,10 +4365,10 @@
         </p:nvGrpSpPr>
         <p:grpSpPr>
           <a:xfrm rot="0">
-            <a:off x="9671645" y="4654132"/>
-            <a:ext cx="3086100" cy="4435906"/>
+            <a:off x="9671645" y="4660075"/>
+            <a:ext cx="3086100" cy="4862693"/>
             <a:chOff x="0" y="0"/>
-            <a:chExt cx="812800" cy="1168305"/>
+            <a:chExt cx="812800" cy="1280709"/>
           </a:xfrm>
         </p:grpSpPr>
         <p:sp>
@@ -4375,7 +4380,7 @@
           <p:spPr>
             <a:xfrm flipH="false" flipV="false" rot="0">
               <a:off x="0" y="0"/>
-              <a:ext cx="812800" cy="1168305"/>
+              <a:ext cx="812800" cy="1280709"/>
             </a:xfrm>
             <a:custGeom>
               <a:avLst/>
@@ -4384,7 +4389,7 @@
               <a:cxnLst/>
               <a:rect r="r" b="b" t="t" l="l"/>
               <a:pathLst>
-                <a:path h="1168305" w="812800">
+                <a:path h="1280709" w="812800">
                   <a:moveTo>
                     <a:pt x="42647" y="0"/>
                   </a:moveTo>
@@ -4402,25 +4407,30 @@
                     <a:pt x="812800" y="42647"/>
                   </a:cubicBezTo>
                   <a:lnTo>
-                    <a:pt x="812800" y="1125658"/>
+                    <a:pt x="812800" y="1238062"/>
                   </a:lnTo>
                   <a:cubicBezTo>
-                    <a:pt x="812800" y="1136968"/>
-                    <a:pt x="808307" y="1147816"/>
-                    <a:pt x="800309" y="1155814"/>
-                  </a:cubicBezTo>
-                  <a:cubicBezTo>
-                    <a:pt x="792311" y="1163811"/>
-                    <a:pt x="781464" y="1168305"/>
-                    <a:pt x="770153" y="1168305"/>
+                    <a:pt x="812800" y="1249373"/>
+                    <a:pt x="808307" y="1260220"/>
+                    <a:pt x="800309" y="1268218"/>
+                  </a:cubicBezTo>
+                  <a:cubicBezTo>
+                    <a:pt x="792311" y="1276216"/>
+                    <a:pt x="781464" y="1280709"/>
+                    <a:pt x="770153" y="1280709"/>
                   </a:cubicBezTo>
                   <a:lnTo>
-                    <a:pt x="42647" y="1168305"/>
+                    <a:pt x="42647" y="1280709"/>
                   </a:lnTo>
                   <a:cubicBezTo>
-                    <a:pt x="19094" y="1168305"/>
-                    <a:pt x="0" y="1149211"/>
-                    <a:pt x="0" y="1125658"/>
+                    <a:pt x="31336" y="1280709"/>
+                    <a:pt x="20489" y="1276216"/>
+                    <a:pt x="12491" y="1268218"/>
+                  </a:cubicBezTo>
+                  <a:cubicBezTo>
+                    <a:pt x="4493" y="1260220"/>
+                    <a:pt x="0" y="1249373"/>
+                    <a:pt x="0" y="1238062"/>
                   </a:cubicBezTo>
                   <a:lnTo>
                     <a:pt x="0" y="42647"/>
@@ -4453,7 +4463,7 @@
           <p:spPr>
             <a:xfrm>
               <a:off x="0" y="-38100"/>
-              <a:ext cx="812800" cy="1206405"/>
+              <a:ext cx="812800" cy="1318809"/>
             </a:xfrm>
             <a:prstGeom prst="rect">
               <a:avLst/>
@@ -4480,10 +4490,10 @@
         </p:nvGrpSpPr>
         <p:grpSpPr>
           <a:xfrm rot="0">
-            <a:off x="13815020" y="4654132"/>
-            <a:ext cx="3086100" cy="4435906"/>
+            <a:off x="13815020" y="4292192"/>
+            <a:ext cx="3086100" cy="5230575"/>
             <a:chOff x="0" y="0"/>
-            <a:chExt cx="812800" cy="1168305"/>
+            <a:chExt cx="812800" cy="1377600"/>
           </a:xfrm>
         </p:grpSpPr>
         <p:sp>
@@ -4495,7 +4505,7 @@
           <p:spPr>
             <a:xfrm flipH="false" flipV="false" rot="0">
               <a:off x="0" y="0"/>
-              <a:ext cx="812800" cy="1168305"/>
+              <a:ext cx="812800" cy="1377600"/>
             </a:xfrm>
             <a:custGeom>
               <a:avLst/>
@@ -4504,7 +4514,7 @@
               <a:cxnLst/>
               <a:rect r="r" b="b" t="t" l="l"/>
               <a:pathLst>
-                <a:path h="1168305" w="812800">
+                <a:path h="1377600" w="812800">
                   <a:moveTo>
                     <a:pt x="42647" y="0"/>
                   </a:moveTo>
@@ -4522,25 +4532,25 @@
                     <a:pt x="812800" y="42647"/>
                   </a:cubicBezTo>
                   <a:lnTo>
-                    <a:pt x="812800" y="1125658"/>
+                    <a:pt x="812800" y="1334953"/>
                   </a:lnTo>
                   <a:cubicBezTo>
-                    <a:pt x="812800" y="1136968"/>
-                    <a:pt x="808307" y="1147816"/>
-                    <a:pt x="800309" y="1155814"/>
-                  </a:cubicBezTo>
-                  <a:cubicBezTo>
-                    <a:pt x="792311" y="1163811"/>
-                    <a:pt x="781464" y="1168305"/>
-                    <a:pt x="770153" y="1168305"/>
+                    <a:pt x="812800" y="1346264"/>
+                    <a:pt x="808307" y="1357111"/>
+                    <a:pt x="800309" y="1365109"/>
+                  </a:cubicBezTo>
+                  <a:cubicBezTo>
+                    <a:pt x="792311" y="1373107"/>
+                    <a:pt x="781464" y="1377600"/>
+                    <a:pt x="770153" y="1377600"/>
                   </a:cubicBezTo>
                   <a:lnTo>
-                    <a:pt x="42647" y="1168305"/>
+                    <a:pt x="42647" y="1377600"/>
                   </a:lnTo>
                   <a:cubicBezTo>
-                    <a:pt x="19094" y="1168305"/>
-                    <a:pt x="0" y="1149211"/>
-                    <a:pt x="0" y="1125658"/>
+                    <a:pt x="19094" y="1377600"/>
+                    <a:pt x="0" y="1358506"/>
+                    <a:pt x="0" y="1334953"/>
                   </a:cubicBezTo>
                   <a:lnTo>
                     <a:pt x="0" y="42647"/>
@@ -4573,7 +4583,7 @@
           <p:spPr>
             <a:xfrm>
               <a:off x="0" y="-38100"/>
-              <a:ext cx="812800" cy="1206405"/>
+              <a:ext cx="812800" cy="1415700"/>
             </a:xfrm>
             <a:prstGeom prst="rect">
               <a:avLst/>
@@ -4784,7 +4794,7 @@
         </p:nvSpPr>
         <p:spPr>
           <a:xfrm flipH="false" flipV="false" rot="0">
-            <a:off x="14137724" y="4803926"/>
+            <a:off x="14137724" y="4314558"/>
             <a:ext cx="2034900" cy="679148"/>
           </a:xfrm>
           <a:custGeom>
@@ -4830,7 +4840,7 @@
         </p:nvSpPr>
         <p:spPr>
           <a:xfrm flipH="false" flipV="false" rot="0">
-            <a:off x="14137724" y="5896168"/>
+            <a:off x="14137724" y="5143500"/>
             <a:ext cx="2276607" cy="725668"/>
           </a:xfrm>
           <a:custGeom>
@@ -4876,7 +4886,7 @@
         </p:nvSpPr>
         <p:spPr>
           <a:xfrm flipH="false" flipV="false" rot="0">
-            <a:off x="14266458" y="6768151"/>
+            <a:off x="14137724" y="6021568"/>
             <a:ext cx="2183225" cy="1061716"/>
           </a:xfrm>
           <a:custGeom>
@@ -4891,13 +4901,13 @@
                   <a:pt x="0" y="0"/>
                 </a:moveTo>
                 <a:lnTo>
-                  <a:pt x="2183225" y="0"/>
-                </a:lnTo>
-                <a:lnTo>
-                  <a:pt x="2183225" y="1061716"/>
-                </a:lnTo>
-                <a:lnTo>
-                  <a:pt x="0" y="1061716"/>
+                  <a:pt x="2183224" y="0"/>
+                </a:lnTo>
+                <a:lnTo>
+                  <a:pt x="2183224" y="1061717"/>
+                </a:lnTo>
+                <a:lnTo>
+                  <a:pt x="0" y="1061717"/>
                 </a:lnTo>
                 <a:lnTo>
                   <a:pt x="0" y="0"/>
@@ -4922,7 +4932,7 @@
         </p:nvSpPr>
         <p:spPr>
           <a:xfrm flipH="false" flipV="false" rot="0">
-            <a:off x="14266458" y="7829867"/>
+            <a:off x="14137724" y="6872085"/>
             <a:ext cx="2183225" cy="1064155"/>
           </a:xfrm>
           <a:custGeom>
@@ -4937,13 +4947,13 @@
                   <a:pt x="0" y="0"/>
                 </a:moveTo>
                 <a:lnTo>
-                  <a:pt x="2183225" y="0"/>
-                </a:lnTo>
-                <a:lnTo>
-                  <a:pt x="2183225" y="1064156"/>
-                </a:lnTo>
-                <a:lnTo>
-                  <a:pt x="0" y="1064156"/>
+                  <a:pt x="2183224" y="0"/>
+                </a:lnTo>
+                <a:lnTo>
+                  <a:pt x="2183224" y="1064155"/>
+                </a:lnTo>
+                <a:lnTo>
+                  <a:pt x="0" y="1064155"/>
                 </a:lnTo>
                 <a:lnTo>
                   <a:pt x="0" y="0"/>
@@ -5014,7 +5024,7 @@
         </p:nvSpPr>
         <p:spPr>
           <a:xfrm flipH="false" flipV="false" rot="0">
-            <a:off x="14266458" y="8758535"/>
+            <a:off x="13815020" y="7994302"/>
             <a:ext cx="1591423" cy="1528465"/>
           </a:xfrm>
           <a:custGeom>
@@ -5029,10 +5039,10 @@
                   <a:pt x="0" y="0"/>
                 </a:moveTo>
                 <a:lnTo>
-                  <a:pt x="1591423" y="0"/>
-                </a:lnTo>
-                <a:lnTo>
-                  <a:pt x="1591423" y="1528465"/>
+                  <a:pt x="1591424" y="0"/>
+                </a:lnTo>
+                <a:lnTo>
+                  <a:pt x="1591424" y="1528465"/>
                 </a:lnTo>
                 <a:lnTo>
                   <a:pt x="0" y="1528465"/>
@@ -5054,7 +5064,99 @@
       </p:sp>
       <p:sp>
         <p:nvSpPr>
-          <p:cNvPr name="TextBox 36" id="36"/>
+          <p:cNvPr name="Freeform 36" id="36"/>
+          <p:cNvSpPr/>
+          <p:nvPr/>
+        </p:nvSpPr>
+        <p:spPr>
+          <a:xfrm flipH="false" flipV="false" rot="0">
+            <a:off x="15822350" y="262126"/>
+            <a:ext cx="1175910" cy="766574"/>
+          </a:xfrm>
+          <a:custGeom>
+            <a:avLst/>
+            <a:gdLst/>
+            <a:ahLst/>
+            <a:cxnLst/>
+            <a:rect r="r" b="b" t="t" l="l"/>
+            <a:pathLst>
+              <a:path h="766574" w="1175910">
+                <a:moveTo>
+                  <a:pt x="0" y="0"/>
+                </a:moveTo>
+                <a:lnTo>
+                  <a:pt x="1175910" y="0"/>
+                </a:lnTo>
+                <a:lnTo>
+                  <a:pt x="1175910" y="766574"/>
+                </a:lnTo>
+                <a:lnTo>
+                  <a:pt x="0" y="766574"/>
+                </a:lnTo>
+                <a:lnTo>
+                  <a:pt x="0" y="0"/>
+                </a:lnTo>
+                <a:close/>
+              </a:path>
+            </a:pathLst>
+          </a:custGeom>
+          <a:blipFill>
+            <a:blip r:embed="rId12"/>
+            <a:stretch>
+              <a:fillRect l="0" t="0" r="0" b="0"/>
+            </a:stretch>
+          </a:blipFill>
+        </p:spPr>
+      </p:sp>
+      <p:sp>
+        <p:nvSpPr>
+          <p:cNvPr name="Freeform 37" id="37"/>
+          <p:cNvSpPr/>
+          <p:nvPr/>
+        </p:nvSpPr>
+        <p:spPr>
+          <a:xfrm flipH="false" flipV="false" rot="0">
+            <a:off x="15464170" y="7994302"/>
+            <a:ext cx="1436950" cy="1447881"/>
+          </a:xfrm>
+          <a:custGeom>
+            <a:avLst/>
+            <a:gdLst/>
+            <a:ahLst/>
+            <a:cxnLst/>
+            <a:rect r="r" b="b" t="t" l="l"/>
+            <a:pathLst>
+              <a:path h="1447881" w="1436950">
+                <a:moveTo>
+                  <a:pt x="0" y="0"/>
+                </a:moveTo>
+                <a:lnTo>
+                  <a:pt x="1436950" y="0"/>
+                </a:lnTo>
+                <a:lnTo>
+                  <a:pt x="1436950" y="1447881"/>
+                </a:lnTo>
+                <a:lnTo>
+                  <a:pt x="0" y="1447881"/>
+                </a:lnTo>
+                <a:lnTo>
+                  <a:pt x="0" y="0"/>
+                </a:lnTo>
+                <a:close/>
+              </a:path>
+            </a:pathLst>
+          </a:custGeom>
+          <a:blipFill>
+            <a:blip r:embed="rId13"/>
+            <a:stretch>
+              <a:fillRect l="-45613" t="0" r="-46311" b="0"/>
+            </a:stretch>
+          </a:blipFill>
+        </p:spPr>
+      </p:sp>
+      <p:sp>
+        <p:nvSpPr>
+          <p:cNvPr name="TextBox 38" id="38"/>
           <p:cNvSpPr txBox="true"/>
           <p:nvPr/>
         </p:nvSpPr>
@@ -5095,7 +5197,7 @@
       </p:sp>
       <p:sp>
         <p:nvSpPr>
-          <p:cNvPr name="TextBox 37" id="37"/>
+          <p:cNvPr name="TextBox 39" id="39"/>
           <p:cNvSpPr txBox="true"/>
           <p:nvPr/>
         </p:nvSpPr>
@@ -5139,7 +5241,7 @@
       </p:sp>
       <p:sp>
         <p:nvSpPr>
-          <p:cNvPr name="TextBox 38" id="38"/>
+          <p:cNvPr name="TextBox 40" id="40"/>
           <p:cNvSpPr txBox="true"/>
           <p:nvPr/>
         </p:nvSpPr>
@@ -5183,7 +5285,7 @@
       </p:sp>
       <p:sp>
         <p:nvSpPr>
-          <p:cNvPr name="TextBox 39" id="39"/>
+          <p:cNvPr name="TextBox 41" id="41"/>
           <p:cNvSpPr txBox="true"/>
           <p:nvPr/>
         </p:nvSpPr>
@@ -5227,7 +5329,7 @@
       </p:sp>
       <p:sp>
         <p:nvSpPr>
-          <p:cNvPr name="TextBox 40" id="40"/>
+          <p:cNvPr name="TextBox 42" id="42"/>
           <p:cNvSpPr txBox="true"/>
           <p:nvPr/>
         </p:nvSpPr>
@@ -5271,7 +5373,7 @@
       </p:sp>
       <p:sp>
         <p:nvSpPr>
-          <p:cNvPr name="TextBox 41" id="41"/>
+          <p:cNvPr name="TextBox 43" id="43"/>
           <p:cNvSpPr txBox="true"/>
           <p:nvPr/>
         </p:nvSpPr>
@@ -5322,7 +5424,7 @@
 </file>
 
 <file path=ppt/slides/slide11.xml><?xml version="1.0" encoding="utf-8"?>
-<p:sld xmlns:p="http://schemas.openxmlformats.org/presentationml/2006/main" xmlns:a="http://schemas.openxmlformats.org/drawingml/2006/main">
+<p:sld xmlns:p="http://schemas.openxmlformats.org/presentationml/2006/main" xmlns:a="http://schemas.openxmlformats.org/drawingml/2006/main" xmlns:r="http://schemas.openxmlformats.org/officeDocument/2006/relationships">
   <p:cSld>
     <p:spTree>
       <p:nvGrpSpPr>
@@ -6442,47 +6544,49 @@
       </p:sp>
       <p:sp>
         <p:nvSpPr>
-          <p:cNvPr name="TextBox 23" id="23"/>
-          <p:cNvSpPr txBox="true"/>
-          <p:nvPr/>
-        </p:nvSpPr>
-        <p:spPr>
-          <a:xfrm rot="0">
-            <a:off x="2093786" y="9624687"/>
-            <a:ext cx="7977188" cy="396240"/>
-          </a:xfrm>
-          <a:prstGeom prst="rect">
+          <p:cNvPr name="Freeform 23" id="23"/>
+          <p:cNvSpPr/>
+          <p:nvPr/>
+        </p:nvSpPr>
+        <p:spPr>
+          <a:xfrm flipH="false" flipV="false" rot="0">
+            <a:off x="16083390" y="262126"/>
+            <a:ext cx="1175910" cy="766574"/>
+          </a:xfrm>
+          <a:custGeom>
             <a:avLst/>
-          </a:prstGeom>
-        </p:spPr>
-        <p:txBody>
-          <a:bodyPr anchor="t" rtlCol="false" tIns="0" lIns="0" bIns="0" rIns="0">
-            <a:spAutoFit/>
-          </a:bodyPr>
-          <a:lstStyle/>
-          <a:p>
-            <a:pPr algn="l">
-              <a:lnSpc>
-                <a:spcPts val="3359"/>
-              </a:lnSpc>
-              <a:spcBef>
-                <a:spcPct val="0"/>
-              </a:spcBef>
-            </a:pPr>
-            <a:r>
-              <a:rPr lang="en-US" sz="2400">
-                <a:solidFill>
-                  <a:srgbClr val="000000"/>
-                </a:solidFill>
-                <a:latin typeface="Noto Sans"/>
-                <a:ea typeface="Noto Sans"/>
-                <a:cs typeface="Noto Sans"/>
-                <a:sym typeface="Noto Sans"/>
-              </a:rPr>
-              <a:t>quản lý tài khoản vs bình luận đánh giá mk có cần ghi k </a:t>
-            </a:r>
-          </a:p>
-        </p:txBody>
+            <a:gdLst/>
+            <a:ahLst/>
+            <a:cxnLst/>
+            <a:rect r="r" b="b" t="t" l="l"/>
+            <a:pathLst>
+              <a:path h="766574" w="1175910">
+                <a:moveTo>
+                  <a:pt x="0" y="0"/>
+                </a:moveTo>
+                <a:lnTo>
+                  <a:pt x="1175910" y="0"/>
+                </a:lnTo>
+                <a:lnTo>
+                  <a:pt x="1175910" y="766574"/>
+                </a:lnTo>
+                <a:lnTo>
+                  <a:pt x="0" y="766574"/>
+                </a:lnTo>
+                <a:lnTo>
+                  <a:pt x="0" y="0"/>
+                </a:lnTo>
+                <a:close/>
+              </a:path>
+            </a:pathLst>
+          </a:custGeom>
+          <a:blipFill>
+            <a:blip r:embed="rId2"/>
+            <a:stretch>
+              <a:fillRect l="0" t="0" r="0" b="0"/>
+            </a:stretch>
+          </a:blipFill>
+        </p:spPr>
       </p:sp>
     </p:spTree>
   </p:cSld>
@@ -6493,7 +6597,7 @@
 </file>
 
 <file path=ppt/slides/slide12.xml><?xml version="1.0" encoding="utf-8"?>
-<p:sld xmlns:p="http://schemas.openxmlformats.org/presentationml/2006/main" xmlns:a="http://schemas.openxmlformats.org/drawingml/2006/main">
+<p:sld xmlns:p="http://schemas.openxmlformats.org/presentationml/2006/main" xmlns:a="http://schemas.openxmlformats.org/drawingml/2006/main" xmlns:r="http://schemas.openxmlformats.org/officeDocument/2006/relationships">
   <p:cSld>
     <p:spTree>
       <p:nvGrpSpPr>
@@ -8297,6 +8401,52 @@
           </a:p>
         </p:txBody>
       </p:sp>
+      <p:sp>
+        <p:nvSpPr>
+          <p:cNvPr name="Freeform 42" id="42"/>
+          <p:cNvSpPr/>
+          <p:nvPr/>
+        </p:nvSpPr>
+        <p:spPr>
+          <a:xfrm flipH="false" flipV="false" rot="0">
+            <a:off x="15822350" y="262126"/>
+            <a:ext cx="1175910" cy="766574"/>
+          </a:xfrm>
+          <a:custGeom>
+            <a:avLst/>
+            <a:gdLst/>
+            <a:ahLst/>
+            <a:cxnLst/>
+            <a:rect r="r" b="b" t="t" l="l"/>
+            <a:pathLst>
+              <a:path h="766574" w="1175910">
+                <a:moveTo>
+                  <a:pt x="0" y="0"/>
+                </a:moveTo>
+                <a:lnTo>
+                  <a:pt x="1175910" y="0"/>
+                </a:lnTo>
+                <a:lnTo>
+                  <a:pt x="1175910" y="766574"/>
+                </a:lnTo>
+                <a:lnTo>
+                  <a:pt x="0" y="766574"/>
+                </a:lnTo>
+                <a:lnTo>
+                  <a:pt x="0" y="0"/>
+                </a:lnTo>
+                <a:close/>
+              </a:path>
+            </a:pathLst>
+          </a:custGeom>
+          <a:blipFill>
+            <a:blip r:embed="rId2"/>
+            <a:stretch>
+              <a:fillRect l="0" t="0" r="0" b="0"/>
+            </a:stretch>
+          </a:blipFill>
+        </p:spPr>
+      </p:sp>
     </p:spTree>
   </p:cSld>
   <p:clrMapOvr>
@@ -8306,7 +8456,7 @@
 </file>
 
 <file path=ppt/slides/slide13.xml><?xml version="1.0" encoding="utf-8"?>
-<p:sld xmlns:p="http://schemas.openxmlformats.org/presentationml/2006/main" xmlns:a="http://schemas.openxmlformats.org/drawingml/2006/main">
+<p:sld xmlns:p="http://schemas.openxmlformats.org/presentationml/2006/main" xmlns:a="http://schemas.openxmlformats.org/drawingml/2006/main" xmlns:r="http://schemas.openxmlformats.org/officeDocument/2006/relationships">
   <p:cSld>
     <p:spTree>
       <p:nvGrpSpPr>
@@ -8594,6 +8744,52 @@
           </a:p>
         </p:txBody>
       </p:sp>
+      <p:sp>
+        <p:nvSpPr>
+          <p:cNvPr name="Freeform 4" id="4"/>
+          <p:cNvSpPr/>
+          <p:nvPr/>
+        </p:nvSpPr>
+        <p:spPr>
+          <a:xfrm flipH="false" flipV="false" rot="0">
+            <a:off x="16485905" y="190118"/>
+            <a:ext cx="1175910" cy="766574"/>
+          </a:xfrm>
+          <a:custGeom>
+            <a:avLst/>
+            <a:gdLst/>
+            <a:ahLst/>
+            <a:cxnLst/>
+            <a:rect r="r" b="b" t="t" l="l"/>
+            <a:pathLst>
+              <a:path h="766574" w="1175910">
+                <a:moveTo>
+                  <a:pt x="0" y="0"/>
+                </a:moveTo>
+                <a:lnTo>
+                  <a:pt x="1175911" y="0"/>
+                </a:lnTo>
+                <a:lnTo>
+                  <a:pt x="1175911" y="766574"/>
+                </a:lnTo>
+                <a:lnTo>
+                  <a:pt x="0" y="766574"/>
+                </a:lnTo>
+                <a:lnTo>
+                  <a:pt x="0" y="0"/>
+                </a:lnTo>
+                <a:close/>
+              </a:path>
+            </a:pathLst>
+          </a:custGeom>
+          <a:blipFill>
+            <a:blip r:embed="rId2"/>
+            <a:stretch>
+              <a:fillRect l="0" t="0" r="0" b="0"/>
+            </a:stretch>
+          </a:blipFill>
+        </p:spPr>
+      </p:sp>
     </p:spTree>
   </p:cSld>
   <p:clrMapOvr>
@@ -8603,7 +8799,7 @@
 </file>
 
 <file path=ppt/slides/slide2.xml><?xml version="1.0" encoding="utf-8"?>
-<p:sld xmlns:p="http://schemas.openxmlformats.org/presentationml/2006/main" xmlns:a="http://schemas.openxmlformats.org/drawingml/2006/main">
+<p:sld xmlns:p="http://schemas.openxmlformats.org/presentationml/2006/main" xmlns:a="http://schemas.openxmlformats.org/drawingml/2006/main" xmlns:r="http://schemas.openxmlformats.org/officeDocument/2006/relationships">
   <p:cSld>
     <p:spTree>
       <p:nvGrpSpPr>
@@ -8619,132 +8815,9 @@
           <a:chExt cx="0" cy="0"/>
         </a:xfrm>
       </p:grpSpPr>
-      <p:sp>
-        <p:nvSpPr>
-          <p:cNvPr name="TextBox 2" id="2"/>
-          <p:cNvSpPr txBox="true"/>
-          <p:nvPr/>
-        </p:nvSpPr>
-        <p:spPr>
-          <a:xfrm rot="0">
-            <a:off x="13225429" y="2098315"/>
-            <a:ext cx="5962678" cy="361950"/>
-          </a:xfrm>
-          <a:prstGeom prst="rect">
-            <a:avLst/>
-          </a:prstGeom>
-        </p:spPr>
-        <p:txBody>
-          <a:bodyPr anchor="t" rtlCol="false" tIns="0" lIns="0" bIns="0" rIns="0">
-            <a:spAutoFit/>
-          </a:bodyPr>
-          <a:lstStyle/>
-          <a:p>
-            <a:pPr algn="l" marL="0" indent="0" lvl="0">
-              <a:lnSpc>
-                <a:spcPts val="2879"/>
-              </a:lnSpc>
-            </a:pPr>
-            <a:r>
-              <a:rPr lang="en-US" b="true" sz="2400" spc="48">
-                <a:solidFill>
-                  <a:srgbClr val="000000"/>
-                </a:solidFill>
-                <a:latin typeface="Cabin Bold"/>
-                <a:ea typeface="Cabin Bold"/>
-                <a:cs typeface="Cabin Bold"/>
-                <a:sym typeface="Cabin Bold"/>
-              </a:rPr>
-              <a:t>Công nghệ sử dụng</a:t>
-            </a:r>
-          </a:p>
-        </p:txBody>
-      </p:sp>
-      <p:sp>
-        <p:nvSpPr>
-          <p:cNvPr name="TextBox 3" id="3"/>
-          <p:cNvSpPr txBox="true"/>
-          <p:nvPr/>
-        </p:nvSpPr>
-        <p:spPr>
-          <a:xfrm rot="0">
-            <a:off x="13225429" y="6563126"/>
-            <a:ext cx="5962678" cy="361950"/>
-          </a:xfrm>
-          <a:prstGeom prst="rect">
-            <a:avLst/>
-          </a:prstGeom>
-        </p:spPr>
-        <p:txBody>
-          <a:bodyPr anchor="t" rtlCol="false" tIns="0" lIns="0" bIns="0" rIns="0">
-            <a:spAutoFit/>
-          </a:bodyPr>
-          <a:lstStyle/>
-          <a:p>
-            <a:pPr algn="l" marL="0" indent="0" lvl="0">
-              <a:lnSpc>
-                <a:spcPts val="2879"/>
-              </a:lnSpc>
-            </a:pPr>
-            <a:r>
-              <a:rPr lang="en-US" b="true" sz="2400" spc="48">
-                <a:solidFill>
-                  <a:srgbClr val="000000"/>
-                </a:solidFill>
-                <a:latin typeface="Cabin Bold"/>
-                <a:ea typeface="Cabin Bold"/>
-                <a:cs typeface="Cabin Bold"/>
-                <a:sym typeface="Cabin Bold"/>
-              </a:rPr>
-              <a:t>Tài liệu tham khảo</a:t>
-            </a:r>
-          </a:p>
-        </p:txBody>
-      </p:sp>
-      <p:sp>
-        <p:nvSpPr>
-          <p:cNvPr name="TextBox 4" id="4"/>
-          <p:cNvSpPr txBox="true"/>
-          <p:nvPr/>
-        </p:nvSpPr>
-        <p:spPr>
-          <a:xfrm rot="0">
-            <a:off x="7144676" y="4103667"/>
-            <a:ext cx="3751141" cy="929640"/>
-          </a:xfrm>
-          <a:prstGeom prst="rect">
-            <a:avLst/>
-          </a:prstGeom>
-        </p:spPr>
-        <p:txBody>
-          <a:bodyPr anchor="t" rtlCol="false" tIns="0" lIns="0" bIns="0" rIns="0">
-            <a:spAutoFit/>
-          </a:bodyPr>
-          <a:lstStyle/>
-          <a:p>
-            <a:pPr algn="ctr">
-              <a:lnSpc>
-                <a:spcPts val="7380"/>
-              </a:lnSpc>
-            </a:pPr>
-            <a:r>
-              <a:rPr lang="en-US" b="true" sz="6000">
-                <a:solidFill>
-                  <a:srgbClr val="3EDAD8"/>
-                </a:solidFill>
-                <a:latin typeface="Quicksand Bold"/>
-                <a:ea typeface="Quicksand Bold"/>
-                <a:cs typeface="Quicksand Bold"/>
-                <a:sym typeface="Quicksand Bold"/>
-              </a:rPr>
-              <a:t>NỘI DUNG</a:t>
-            </a:r>
-          </a:p>
-        </p:txBody>
-      </p:sp>
       <p:grpSp>
         <p:nvGrpSpPr>
-          <p:cNvPr name="Group 5" id="5"/>
+          <p:cNvPr name="Group 2" id="2"/>
           <p:cNvGrpSpPr/>
           <p:nvPr/>
         </p:nvGrpSpPr>
@@ -8758,7 +8831,7 @@
         </p:grpSpPr>
         <p:sp>
           <p:nvSpPr>
-            <p:cNvPr name="Freeform 6" id="6"/>
+            <p:cNvPr name="Freeform 3" id="3"/>
             <p:cNvSpPr/>
             <p:nvPr/>
           </p:nvSpPr>
@@ -8809,7 +8882,7 @@
         </p:sp>
         <p:sp>
           <p:nvSpPr>
-            <p:cNvPr name="TextBox 7" id="7"/>
+            <p:cNvPr name="TextBox 4" id="4"/>
             <p:cNvSpPr txBox="true"/>
             <p:nvPr/>
           </p:nvSpPr>
@@ -8849,7 +8922,7 @@
       </p:grpSp>
       <p:grpSp>
         <p:nvGrpSpPr>
-          <p:cNvPr name="Group 8" id="8"/>
+          <p:cNvPr name="Group 5" id="5"/>
           <p:cNvGrpSpPr/>
           <p:nvPr/>
         </p:nvGrpSpPr>
@@ -8863,7 +8936,7 @@
         </p:grpSpPr>
         <p:sp>
           <p:nvSpPr>
-            <p:cNvPr name="Freeform 9" id="9"/>
+            <p:cNvPr name="Freeform 6" id="6"/>
             <p:cNvSpPr/>
             <p:nvPr/>
           </p:nvSpPr>
@@ -8914,7 +8987,7 @@
         </p:sp>
         <p:sp>
           <p:nvSpPr>
-            <p:cNvPr name="TextBox 10" id="10"/>
+            <p:cNvPr name="TextBox 7" id="7"/>
             <p:cNvSpPr txBox="true"/>
             <p:nvPr/>
           </p:nvSpPr>
@@ -8954,7 +9027,7 @@
       </p:grpSp>
       <p:grpSp>
         <p:nvGrpSpPr>
-          <p:cNvPr name="Group 11" id="11"/>
+          <p:cNvPr name="Group 8" id="8"/>
           <p:cNvGrpSpPr/>
           <p:nvPr/>
         </p:nvGrpSpPr>
@@ -8968,7 +9041,7 @@
         </p:grpSpPr>
         <p:sp>
           <p:nvSpPr>
-            <p:cNvPr name="Freeform 12" id="12"/>
+            <p:cNvPr name="Freeform 9" id="9"/>
             <p:cNvSpPr/>
             <p:nvPr/>
           </p:nvSpPr>
@@ -9019,7 +9092,7 @@
         </p:sp>
         <p:sp>
           <p:nvSpPr>
-            <p:cNvPr name="TextBox 13" id="13"/>
+            <p:cNvPr name="TextBox 10" id="10"/>
             <p:cNvSpPr txBox="true"/>
             <p:nvPr/>
           </p:nvSpPr>
@@ -9059,7 +9132,7 @@
       </p:grpSp>
       <p:sp>
         <p:nvSpPr>
-          <p:cNvPr name="AutoShape 14" id="14"/>
+          <p:cNvPr name="AutoShape 11" id="11"/>
           <p:cNvSpPr/>
           <p:nvPr/>
         </p:nvSpPr>
@@ -9081,132 +9154,9 @@
           </a:ln>
         </p:spPr>
       </p:sp>
-      <p:sp>
-        <p:nvSpPr>
-          <p:cNvPr name="TextBox 15" id="15"/>
-          <p:cNvSpPr txBox="true"/>
-          <p:nvPr/>
-        </p:nvSpPr>
-        <p:spPr>
-          <a:xfrm rot="0">
-            <a:off x="3385163" y="2098315"/>
-            <a:ext cx="5378191" cy="361950"/>
-          </a:xfrm>
-          <a:prstGeom prst="rect">
-            <a:avLst/>
-          </a:prstGeom>
-        </p:spPr>
-        <p:txBody>
-          <a:bodyPr anchor="t" rtlCol="false" tIns="0" lIns="0" bIns="0" rIns="0">
-            <a:spAutoFit/>
-          </a:bodyPr>
-          <a:lstStyle/>
-          <a:p>
-            <a:pPr algn="l" marL="0" indent="0" lvl="0">
-              <a:lnSpc>
-                <a:spcPts val="2879"/>
-              </a:lnSpc>
-            </a:pPr>
-            <a:r>
-              <a:rPr lang="en-US" b="true" sz="2400" spc="48">
-                <a:solidFill>
-                  <a:srgbClr val="000000"/>
-                </a:solidFill>
-                <a:latin typeface="Cabin Bold"/>
-                <a:ea typeface="Cabin Bold"/>
-                <a:cs typeface="Cabin Bold"/>
-                <a:sym typeface="Cabin Bold"/>
-              </a:rPr>
-              <a:t>Bối cảnh</a:t>
-            </a:r>
-          </a:p>
-        </p:txBody>
-      </p:sp>
-      <p:sp>
-        <p:nvSpPr>
-          <p:cNvPr name="TextBox 16" id="16"/>
-          <p:cNvSpPr txBox="true"/>
-          <p:nvPr/>
-        </p:nvSpPr>
-        <p:spPr>
-          <a:xfrm rot="0">
-            <a:off x="2757785" y="4397030"/>
-            <a:ext cx="5378191" cy="361950"/>
-          </a:xfrm>
-          <a:prstGeom prst="rect">
-            <a:avLst/>
-          </a:prstGeom>
-        </p:spPr>
-        <p:txBody>
-          <a:bodyPr anchor="t" rtlCol="false" tIns="0" lIns="0" bIns="0" rIns="0">
-            <a:spAutoFit/>
-          </a:bodyPr>
-          <a:lstStyle/>
-          <a:p>
-            <a:pPr algn="l" marL="0" indent="0" lvl="0">
-              <a:lnSpc>
-                <a:spcPts val="2879"/>
-              </a:lnSpc>
-            </a:pPr>
-            <a:r>
-              <a:rPr lang="en-US" b="true" sz="2400" spc="48">
-                <a:solidFill>
-                  <a:srgbClr val="000000"/>
-                </a:solidFill>
-                <a:latin typeface="Cabin Bold"/>
-                <a:ea typeface="Cabin Bold"/>
-                <a:cs typeface="Cabin Bold"/>
-                <a:sym typeface="Cabin Bold"/>
-              </a:rPr>
-              <a:t>Đối tượng sử dụng</a:t>
-            </a:r>
-          </a:p>
-        </p:txBody>
-      </p:sp>
-      <p:sp>
-        <p:nvSpPr>
-          <p:cNvPr name="TextBox 17" id="17"/>
-          <p:cNvSpPr txBox="true"/>
-          <p:nvPr/>
-        </p:nvSpPr>
-        <p:spPr>
-          <a:xfrm rot="0">
-            <a:off x="3250103" y="6563126"/>
-            <a:ext cx="5378191" cy="361950"/>
-          </a:xfrm>
-          <a:prstGeom prst="rect">
-            <a:avLst/>
-          </a:prstGeom>
-        </p:spPr>
-        <p:txBody>
-          <a:bodyPr anchor="t" rtlCol="false" tIns="0" lIns="0" bIns="0" rIns="0">
-            <a:spAutoFit/>
-          </a:bodyPr>
-          <a:lstStyle/>
-          <a:p>
-            <a:pPr algn="l" marL="0" indent="0" lvl="0">
-              <a:lnSpc>
-                <a:spcPts val="2879"/>
-              </a:lnSpc>
-            </a:pPr>
-            <a:r>
-              <a:rPr lang="en-US" b="true" sz="2400" spc="48">
-                <a:solidFill>
-                  <a:srgbClr val="000000"/>
-                </a:solidFill>
-                <a:latin typeface="Cabin Bold"/>
-                <a:ea typeface="Cabin Bold"/>
-                <a:cs typeface="Cabin Bold"/>
-                <a:sym typeface="Cabin Bold"/>
-              </a:rPr>
-              <a:t>Tổng quan hệ thống</a:t>
-            </a:r>
-          </a:p>
-        </p:txBody>
-      </p:sp>
       <p:grpSp>
         <p:nvGrpSpPr>
-          <p:cNvPr name="Group 18" id="18"/>
+          <p:cNvPr name="Group 12" id="12"/>
           <p:cNvGrpSpPr/>
           <p:nvPr/>
         </p:nvGrpSpPr>
@@ -9220,7 +9170,7 @@
         </p:grpSpPr>
         <p:sp>
           <p:nvSpPr>
-            <p:cNvPr name="Freeform 19" id="19"/>
+            <p:cNvPr name="Freeform 13" id="13"/>
             <p:cNvSpPr/>
             <p:nvPr/>
           </p:nvSpPr>
@@ -9271,7 +9221,7 @@
         </p:sp>
         <p:sp>
           <p:nvSpPr>
-            <p:cNvPr name="TextBox 20" id="20"/>
+            <p:cNvPr name="TextBox 14" id="14"/>
             <p:cNvSpPr txBox="true"/>
             <p:nvPr/>
           </p:nvSpPr>
@@ -9311,13 +9261,223 @@
       </p:grpSp>
       <p:grpSp>
         <p:nvGrpSpPr>
-          <p:cNvPr name="Group 21" id="21"/>
+          <p:cNvPr name="Group 15" id="15"/>
           <p:cNvGrpSpPr/>
           <p:nvPr/>
         </p:nvGrpSpPr>
         <p:grpSpPr>
           <a:xfrm rot="0">
             <a:off x="1439286" y="4180361"/>
+            <a:ext cx="810158" cy="795302"/>
+            <a:chOff x="0" y="0"/>
+            <a:chExt cx="827983" cy="812800"/>
+          </a:xfrm>
+        </p:grpSpPr>
+        <p:sp>
+          <p:nvSpPr>
+            <p:cNvPr name="Freeform 16" id="16"/>
+            <p:cNvSpPr/>
+            <p:nvPr/>
+          </p:nvSpPr>
+          <p:spPr>
+            <a:xfrm flipH="false" flipV="false" rot="0">
+              <a:off x="0" y="0"/>
+              <a:ext cx="827983" cy="812800"/>
+            </a:xfrm>
+            <a:custGeom>
+              <a:avLst/>
+              <a:gdLst/>
+              <a:ahLst/>
+              <a:cxnLst/>
+              <a:rect r="r" b="b" t="t" l="l"/>
+              <a:pathLst>
+                <a:path h="812800" w="827983">
+                  <a:moveTo>
+                    <a:pt x="413992" y="0"/>
+                  </a:moveTo>
+                  <a:cubicBezTo>
+                    <a:pt x="185350" y="0"/>
+                    <a:pt x="0" y="181951"/>
+                    <a:pt x="0" y="406400"/>
+                  </a:cubicBezTo>
+                  <a:cubicBezTo>
+                    <a:pt x="0" y="630849"/>
+                    <a:pt x="185350" y="812800"/>
+                    <a:pt x="413992" y="812800"/>
+                  </a:cubicBezTo>
+                  <a:cubicBezTo>
+                    <a:pt x="642633" y="812800"/>
+                    <a:pt x="827983" y="630849"/>
+                    <a:pt x="827983" y="406400"/>
+                  </a:cubicBezTo>
+                  <a:cubicBezTo>
+                    <a:pt x="827983" y="181951"/>
+                    <a:pt x="642633" y="0"/>
+                    <a:pt x="413992" y="0"/>
+                  </a:cubicBezTo>
+                  <a:close/>
+                </a:path>
+              </a:pathLst>
+            </a:custGeom>
+            <a:solidFill>
+              <a:srgbClr val="3EDAD8"/>
+            </a:solidFill>
+          </p:spPr>
+        </p:sp>
+        <p:sp>
+          <p:nvSpPr>
+            <p:cNvPr name="TextBox 17" id="17"/>
+            <p:cNvSpPr txBox="true"/>
+            <p:nvPr/>
+          </p:nvSpPr>
+          <p:spPr>
+            <a:xfrm>
+              <a:off x="77623" y="28575"/>
+              <a:ext cx="672736" cy="708025"/>
+            </a:xfrm>
+            <a:prstGeom prst="rect">
+              <a:avLst/>
+            </a:prstGeom>
+          </p:spPr>
+          <p:txBody>
+            <a:bodyPr anchor="ctr" rtlCol="false" tIns="50800" lIns="50800" bIns="50800" rIns="50800"/>
+            <a:lstStyle/>
+            <a:p>
+              <a:pPr algn="ctr">
+                <a:lnSpc>
+                  <a:spcPts val="3359"/>
+                </a:lnSpc>
+              </a:pPr>
+              <a:r>
+                <a:rPr lang="en-US" b="true" sz="2400">
+                  <a:solidFill>
+                    <a:srgbClr val="FFFFFF"/>
+                  </a:solidFill>
+                  <a:latin typeface="Cabin Bold"/>
+                  <a:ea typeface="Cabin Bold"/>
+                  <a:cs typeface="Cabin Bold"/>
+                  <a:sym typeface="Cabin Bold"/>
+                </a:rPr>
+                <a:t>2</a:t>
+              </a:r>
+            </a:p>
+          </p:txBody>
+        </p:sp>
+      </p:grpSp>
+      <p:grpSp>
+        <p:nvGrpSpPr>
+          <p:cNvPr name="Group 18" id="18"/>
+          <p:cNvGrpSpPr/>
+          <p:nvPr/>
+        </p:nvGrpSpPr>
+        <p:grpSpPr>
+          <a:xfrm rot="0">
+            <a:off x="2249444" y="6346450"/>
+            <a:ext cx="810158" cy="795302"/>
+            <a:chOff x="0" y="0"/>
+            <a:chExt cx="827983" cy="812800"/>
+          </a:xfrm>
+        </p:grpSpPr>
+        <p:sp>
+          <p:nvSpPr>
+            <p:cNvPr name="Freeform 19" id="19"/>
+            <p:cNvSpPr/>
+            <p:nvPr/>
+          </p:nvSpPr>
+          <p:spPr>
+            <a:xfrm flipH="false" flipV="false" rot="0">
+              <a:off x="0" y="0"/>
+              <a:ext cx="827983" cy="812800"/>
+            </a:xfrm>
+            <a:custGeom>
+              <a:avLst/>
+              <a:gdLst/>
+              <a:ahLst/>
+              <a:cxnLst/>
+              <a:rect r="r" b="b" t="t" l="l"/>
+              <a:pathLst>
+                <a:path h="812800" w="827983">
+                  <a:moveTo>
+                    <a:pt x="413992" y="0"/>
+                  </a:moveTo>
+                  <a:cubicBezTo>
+                    <a:pt x="185350" y="0"/>
+                    <a:pt x="0" y="181951"/>
+                    <a:pt x="0" y="406400"/>
+                  </a:cubicBezTo>
+                  <a:cubicBezTo>
+                    <a:pt x="0" y="630849"/>
+                    <a:pt x="185350" y="812800"/>
+                    <a:pt x="413992" y="812800"/>
+                  </a:cubicBezTo>
+                  <a:cubicBezTo>
+                    <a:pt x="642633" y="812800"/>
+                    <a:pt x="827983" y="630849"/>
+                    <a:pt x="827983" y="406400"/>
+                  </a:cubicBezTo>
+                  <a:cubicBezTo>
+                    <a:pt x="827983" y="181951"/>
+                    <a:pt x="642633" y="0"/>
+                    <a:pt x="413992" y="0"/>
+                  </a:cubicBezTo>
+                  <a:close/>
+                </a:path>
+              </a:pathLst>
+            </a:custGeom>
+            <a:solidFill>
+              <a:srgbClr val="37C9EF"/>
+            </a:solidFill>
+          </p:spPr>
+        </p:sp>
+        <p:sp>
+          <p:nvSpPr>
+            <p:cNvPr name="TextBox 20" id="20"/>
+            <p:cNvSpPr txBox="true"/>
+            <p:nvPr/>
+          </p:nvSpPr>
+          <p:spPr>
+            <a:xfrm>
+              <a:off x="77623" y="28575"/>
+              <a:ext cx="672736" cy="708025"/>
+            </a:xfrm>
+            <a:prstGeom prst="rect">
+              <a:avLst/>
+            </a:prstGeom>
+          </p:spPr>
+          <p:txBody>
+            <a:bodyPr anchor="ctr" rtlCol="false" tIns="50800" lIns="50800" bIns="50800" rIns="50800"/>
+            <a:lstStyle/>
+            <a:p>
+              <a:pPr algn="ctr">
+                <a:lnSpc>
+                  <a:spcPts val="3359"/>
+                </a:lnSpc>
+              </a:pPr>
+              <a:r>
+                <a:rPr lang="en-US" b="true" sz="2400">
+                  <a:solidFill>
+                    <a:srgbClr val="FFFFFF"/>
+                  </a:solidFill>
+                  <a:latin typeface="Cabin Bold"/>
+                  <a:ea typeface="Cabin Bold"/>
+                  <a:cs typeface="Cabin Bold"/>
+                  <a:sym typeface="Cabin Bold"/>
+                </a:rPr>
+                <a:t>3</a:t>
+              </a:r>
+            </a:p>
+          </p:txBody>
+        </p:sp>
+      </p:grpSp>
+      <p:grpSp>
+        <p:nvGrpSpPr>
+          <p:cNvPr name="Group 21" id="21"/>
+          <p:cNvGrpSpPr/>
+          <p:nvPr/>
+        </p:nvGrpSpPr>
+        <p:grpSpPr>
+          <a:xfrm rot="0">
+            <a:off x="17210013" y="9384210"/>
             <a:ext cx="810158" cy="795302"/>
             <a:chOff x="0" y="0"/>
             <a:chExt cx="827983" cy="812800"/>
@@ -9370,7 +9530,7 @@
               </a:pathLst>
             </a:custGeom>
             <a:solidFill>
-              <a:srgbClr val="3EDAD8"/>
+              <a:srgbClr val="E2A9F1"/>
             </a:solidFill>
           </p:spPr>
         </p:sp>
@@ -9414,219 +9574,301 @@
           </p:txBody>
         </p:sp>
       </p:grpSp>
-      <p:grpSp>
-        <p:nvGrpSpPr>
-          <p:cNvPr name="Group 24" id="24"/>
-          <p:cNvGrpSpPr/>
-          <p:nvPr/>
-        </p:nvGrpSpPr>
-        <p:grpSpPr>
+      <p:sp>
+        <p:nvSpPr>
+          <p:cNvPr name="Freeform 24" id="24"/>
+          <p:cNvSpPr/>
+          <p:nvPr/>
+        </p:nvSpPr>
+        <p:spPr>
+          <a:xfrm flipH="false" flipV="false" rot="0">
+            <a:off x="15822350" y="262126"/>
+            <a:ext cx="1175910" cy="766574"/>
+          </a:xfrm>
+          <a:custGeom>
+            <a:avLst/>
+            <a:gdLst/>
+            <a:ahLst/>
+            <a:cxnLst/>
+            <a:rect r="r" b="b" t="t" l="l"/>
+            <a:pathLst>
+              <a:path h="766574" w="1175910">
+                <a:moveTo>
+                  <a:pt x="0" y="0"/>
+                </a:moveTo>
+                <a:lnTo>
+                  <a:pt x="1175910" y="0"/>
+                </a:lnTo>
+                <a:lnTo>
+                  <a:pt x="1175910" y="766574"/>
+                </a:lnTo>
+                <a:lnTo>
+                  <a:pt x="0" y="766574"/>
+                </a:lnTo>
+                <a:lnTo>
+                  <a:pt x="0" y="0"/>
+                </a:lnTo>
+                <a:close/>
+              </a:path>
+            </a:pathLst>
+          </a:custGeom>
+          <a:blipFill>
+            <a:blip r:embed="rId2"/>
+            <a:stretch>
+              <a:fillRect l="0" t="0" r="0" b="0"/>
+            </a:stretch>
+          </a:blipFill>
+        </p:spPr>
+      </p:sp>
+      <p:sp>
+        <p:nvSpPr>
+          <p:cNvPr name="TextBox 25" id="25"/>
+          <p:cNvSpPr txBox="true"/>
+          <p:nvPr/>
+        </p:nvSpPr>
+        <p:spPr>
           <a:xfrm rot="0">
-            <a:off x="2249444" y="6346450"/>
-            <a:ext cx="810158" cy="795302"/>
-            <a:chOff x="0" y="0"/>
-            <a:chExt cx="827983" cy="812800"/>
-          </a:xfrm>
-        </p:grpSpPr>
-        <p:sp>
-          <p:nvSpPr>
-            <p:cNvPr name="Freeform 25" id="25"/>
-            <p:cNvSpPr/>
-            <p:nvPr/>
-          </p:nvSpPr>
-          <p:spPr>
-            <a:xfrm flipH="false" flipV="false" rot="0">
-              <a:off x="0" y="0"/>
-              <a:ext cx="827983" cy="812800"/>
-            </a:xfrm>
-            <a:custGeom>
-              <a:avLst/>
-              <a:gdLst/>
-              <a:ahLst/>
-              <a:cxnLst/>
-              <a:rect r="r" b="b" t="t" l="l"/>
-              <a:pathLst>
-                <a:path h="812800" w="827983">
-                  <a:moveTo>
-                    <a:pt x="413992" y="0"/>
-                  </a:moveTo>
-                  <a:cubicBezTo>
-                    <a:pt x="185350" y="0"/>
-                    <a:pt x="0" y="181951"/>
-                    <a:pt x="0" y="406400"/>
-                  </a:cubicBezTo>
-                  <a:cubicBezTo>
-                    <a:pt x="0" y="630849"/>
-                    <a:pt x="185350" y="812800"/>
-                    <a:pt x="413992" y="812800"/>
-                  </a:cubicBezTo>
-                  <a:cubicBezTo>
-                    <a:pt x="642633" y="812800"/>
-                    <a:pt x="827983" y="630849"/>
-                    <a:pt x="827983" y="406400"/>
-                  </a:cubicBezTo>
-                  <a:cubicBezTo>
-                    <a:pt x="827983" y="181951"/>
-                    <a:pt x="642633" y="0"/>
-                    <a:pt x="413992" y="0"/>
-                  </a:cubicBezTo>
-                  <a:close/>
-                </a:path>
-              </a:pathLst>
-            </a:custGeom>
-            <a:solidFill>
-              <a:srgbClr val="37C9EF"/>
-            </a:solidFill>
-          </p:spPr>
-        </p:sp>
-        <p:sp>
-          <p:nvSpPr>
-            <p:cNvPr name="TextBox 26" id="26"/>
-            <p:cNvSpPr txBox="true"/>
-            <p:nvPr/>
-          </p:nvSpPr>
-          <p:spPr>
-            <a:xfrm>
-              <a:off x="77623" y="28575"/>
-              <a:ext cx="672736" cy="708025"/>
-            </a:xfrm>
-            <a:prstGeom prst="rect">
-              <a:avLst/>
-            </a:prstGeom>
-          </p:spPr>
-          <p:txBody>
-            <a:bodyPr anchor="ctr" rtlCol="false" tIns="50800" lIns="50800" bIns="50800" rIns="50800"/>
-            <a:lstStyle/>
-            <a:p>
-              <a:pPr algn="ctr">
-                <a:lnSpc>
-                  <a:spcPts val="3359"/>
-                </a:lnSpc>
-              </a:pPr>
-              <a:r>
-                <a:rPr lang="en-US" b="true" sz="2400">
-                  <a:solidFill>
-                    <a:srgbClr val="FFFFFF"/>
-                  </a:solidFill>
-                  <a:latin typeface="Cabin Bold"/>
-                  <a:ea typeface="Cabin Bold"/>
-                  <a:cs typeface="Cabin Bold"/>
-                  <a:sym typeface="Cabin Bold"/>
-                </a:rPr>
-                <a:t>3</a:t>
-              </a:r>
-            </a:p>
-          </p:txBody>
-        </p:sp>
-      </p:grpSp>
-      <p:grpSp>
-        <p:nvGrpSpPr>
-          <p:cNvPr name="Group 27" id="27"/>
-          <p:cNvGrpSpPr/>
-          <p:nvPr/>
-        </p:nvGrpSpPr>
-        <p:grpSpPr>
+            <a:off x="13225429" y="2098315"/>
+            <a:ext cx="5962678" cy="361950"/>
+          </a:xfrm>
+          <a:prstGeom prst="rect">
+            <a:avLst/>
+          </a:prstGeom>
+        </p:spPr>
+        <p:txBody>
+          <a:bodyPr anchor="t" rtlCol="false" tIns="0" lIns="0" bIns="0" rIns="0">
+            <a:spAutoFit/>
+          </a:bodyPr>
+          <a:lstStyle/>
+          <a:p>
+            <a:pPr algn="l" marL="0" indent="0" lvl="0">
+              <a:lnSpc>
+                <a:spcPts val="2879"/>
+              </a:lnSpc>
+            </a:pPr>
+            <a:r>
+              <a:rPr lang="en-US" b="true" sz="2400" spc="48">
+                <a:solidFill>
+                  <a:srgbClr val="000000"/>
+                </a:solidFill>
+                <a:latin typeface="Cabin Bold"/>
+                <a:ea typeface="Cabin Bold"/>
+                <a:cs typeface="Cabin Bold"/>
+                <a:sym typeface="Cabin Bold"/>
+              </a:rPr>
+              <a:t>Công nghệ sử dụng</a:t>
+            </a:r>
+          </a:p>
+        </p:txBody>
+      </p:sp>
+      <p:sp>
+        <p:nvSpPr>
+          <p:cNvPr name="TextBox 26" id="26"/>
+          <p:cNvSpPr txBox="true"/>
+          <p:nvPr/>
+        </p:nvSpPr>
+        <p:spPr>
           <a:xfrm rot="0">
-            <a:off x="17210013" y="9384210"/>
-            <a:ext cx="810158" cy="795302"/>
-            <a:chOff x="0" y="0"/>
-            <a:chExt cx="827983" cy="812800"/>
-          </a:xfrm>
-        </p:grpSpPr>
-        <p:sp>
-          <p:nvSpPr>
-            <p:cNvPr name="Freeform 28" id="28"/>
-            <p:cNvSpPr/>
-            <p:nvPr/>
-          </p:nvSpPr>
-          <p:spPr>
-            <a:xfrm flipH="false" flipV="false" rot="0">
-              <a:off x="0" y="0"/>
-              <a:ext cx="827983" cy="812800"/>
-            </a:xfrm>
-            <a:custGeom>
-              <a:avLst/>
-              <a:gdLst/>
-              <a:ahLst/>
-              <a:cxnLst/>
-              <a:rect r="r" b="b" t="t" l="l"/>
-              <a:pathLst>
-                <a:path h="812800" w="827983">
-                  <a:moveTo>
-                    <a:pt x="413992" y="0"/>
-                  </a:moveTo>
-                  <a:cubicBezTo>
-                    <a:pt x="185350" y="0"/>
-                    <a:pt x="0" y="181951"/>
-                    <a:pt x="0" y="406400"/>
-                  </a:cubicBezTo>
-                  <a:cubicBezTo>
-                    <a:pt x="0" y="630849"/>
-                    <a:pt x="185350" y="812800"/>
-                    <a:pt x="413992" y="812800"/>
-                  </a:cubicBezTo>
-                  <a:cubicBezTo>
-                    <a:pt x="642633" y="812800"/>
-                    <a:pt x="827983" y="630849"/>
-                    <a:pt x="827983" y="406400"/>
-                  </a:cubicBezTo>
-                  <a:cubicBezTo>
-                    <a:pt x="827983" y="181951"/>
-                    <a:pt x="642633" y="0"/>
-                    <a:pt x="413992" y="0"/>
-                  </a:cubicBezTo>
-                  <a:close/>
-                </a:path>
-              </a:pathLst>
-            </a:custGeom>
-            <a:solidFill>
-              <a:srgbClr val="E2A9F1"/>
-            </a:solidFill>
-          </p:spPr>
-        </p:sp>
-        <p:sp>
-          <p:nvSpPr>
-            <p:cNvPr name="TextBox 29" id="29"/>
-            <p:cNvSpPr txBox="true"/>
-            <p:nvPr/>
-          </p:nvSpPr>
-          <p:spPr>
-            <a:xfrm>
-              <a:off x="77623" y="28575"/>
-              <a:ext cx="672736" cy="708025"/>
-            </a:xfrm>
-            <a:prstGeom prst="rect">
-              <a:avLst/>
-            </a:prstGeom>
-          </p:spPr>
-          <p:txBody>
-            <a:bodyPr anchor="ctr" rtlCol="false" tIns="50800" lIns="50800" bIns="50800" rIns="50800"/>
-            <a:lstStyle/>
-            <a:p>
-              <a:pPr algn="ctr">
-                <a:lnSpc>
-                  <a:spcPts val="3359"/>
-                </a:lnSpc>
-              </a:pPr>
-              <a:r>
-                <a:rPr lang="en-US" b="true" sz="2400">
-                  <a:solidFill>
-                    <a:srgbClr val="FFFFFF"/>
-                  </a:solidFill>
-                  <a:latin typeface="Cabin Bold"/>
-                  <a:ea typeface="Cabin Bold"/>
-                  <a:cs typeface="Cabin Bold"/>
-                  <a:sym typeface="Cabin Bold"/>
-                </a:rPr>
-                <a:t>2</a:t>
-              </a:r>
-            </a:p>
-          </p:txBody>
-        </p:sp>
-      </p:grpSp>
+            <a:off x="13225429" y="6563126"/>
+            <a:ext cx="5962678" cy="361950"/>
+          </a:xfrm>
+          <a:prstGeom prst="rect">
+            <a:avLst/>
+          </a:prstGeom>
+        </p:spPr>
+        <p:txBody>
+          <a:bodyPr anchor="t" rtlCol="false" tIns="0" lIns="0" bIns="0" rIns="0">
+            <a:spAutoFit/>
+          </a:bodyPr>
+          <a:lstStyle/>
+          <a:p>
+            <a:pPr algn="l" marL="0" indent="0" lvl="0">
+              <a:lnSpc>
+                <a:spcPts val="2879"/>
+              </a:lnSpc>
+            </a:pPr>
+            <a:r>
+              <a:rPr lang="en-US" b="true" sz="2400" spc="48">
+                <a:solidFill>
+                  <a:srgbClr val="000000"/>
+                </a:solidFill>
+                <a:latin typeface="Cabin Bold"/>
+                <a:ea typeface="Cabin Bold"/>
+                <a:cs typeface="Cabin Bold"/>
+                <a:sym typeface="Cabin Bold"/>
+              </a:rPr>
+              <a:t>Tài liệu tham khảo</a:t>
+            </a:r>
+          </a:p>
+        </p:txBody>
+      </p:sp>
+      <p:sp>
+        <p:nvSpPr>
+          <p:cNvPr name="TextBox 27" id="27"/>
+          <p:cNvSpPr txBox="true"/>
+          <p:nvPr/>
+        </p:nvSpPr>
+        <p:spPr>
+          <a:xfrm rot="0">
+            <a:off x="7144676" y="4103667"/>
+            <a:ext cx="3751141" cy="929640"/>
+          </a:xfrm>
+          <a:prstGeom prst="rect">
+            <a:avLst/>
+          </a:prstGeom>
+        </p:spPr>
+        <p:txBody>
+          <a:bodyPr anchor="t" rtlCol="false" tIns="0" lIns="0" bIns="0" rIns="0">
+            <a:spAutoFit/>
+          </a:bodyPr>
+          <a:lstStyle/>
+          <a:p>
+            <a:pPr algn="ctr">
+              <a:lnSpc>
+                <a:spcPts val="7380"/>
+              </a:lnSpc>
+            </a:pPr>
+            <a:r>
+              <a:rPr lang="en-US" b="true" sz="6000">
+                <a:solidFill>
+                  <a:srgbClr val="3EDAD8"/>
+                </a:solidFill>
+                <a:latin typeface="Quicksand Bold"/>
+                <a:ea typeface="Quicksand Bold"/>
+                <a:cs typeface="Quicksand Bold"/>
+                <a:sym typeface="Quicksand Bold"/>
+              </a:rPr>
+              <a:t>NỘI DUNG</a:t>
+            </a:r>
+          </a:p>
+        </p:txBody>
+      </p:sp>
+      <p:sp>
+        <p:nvSpPr>
+          <p:cNvPr name="TextBox 28" id="28"/>
+          <p:cNvSpPr txBox="true"/>
+          <p:nvPr/>
+        </p:nvSpPr>
+        <p:spPr>
+          <a:xfrm rot="0">
+            <a:off x="3385163" y="2098315"/>
+            <a:ext cx="5378191" cy="361950"/>
+          </a:xfrm>
+          <a:prstGeom prst="rect">
+            <a:avLst/>
+          </a:prstGeom>
+        </p:spPr>
+        <p:txBody>
+          <a:bodyPr anchor="t" rtlCol="false" tIns="0" lIns="0" bIns="0" rIns="0">
+            <a:spAutoFit/>
+          </a:bodyPr>
+          <a:lstStyle/>
+          <a:p>
+            <a:pPr algn="l" marL="0" indent="0" lvl="0">
+              <a:lnSpc>
+                <a:spcPts val="2879"/>
+              </a:lnSpc>
+            </a:pPr>
+            <a:r>
+              <a:rPr lang="en-US" b="true" sz="2400" spc="48">
+                <a:solidFill>
+                  <a:srgbClr val="000000"/>
+                </a:solidFill>
+                <a:latin typeface="Cabin Bold"/>
+                <a:ea typeface="Cabin Bold"/>
+                <a:cs typeface="Cabin Bold"/>
+                <a:sym typeface="Cabin Bold"/>
+              </a:rPr>
+              <a:t>Bối cảnh</a:t>
+            </a:r>
+          </a:p>
+        </p:txBody>
+      </p:sp>
+      <p:sp>
+        <p:nvSpPr>
+          <p:cNvPr name="TextBox 29" id="29"/>
+          <p:cNvSpPr txBox="true"/>
+          <p:nvPr/>
+        </p:nvSpPr>
+        <p:spPr>
+          <a:xfrm rot="0">
+            <a:off x="2757785" y="4397030"/>
+            <a:ext cx="5378191" cy="361950"/>
+          </a:xfrm>
+          <a:prstGeom prst="rect">
+            <a:avLst/>
+          </a:prstGeom>
+        </p:spPr>
+        <p:txBody>
+          <a:bodyPr anchor="t" rtlCol="false" tIns="0" lIns="0" bIns="0" rIns="0">
+            <a:spAutoFit/>
+          </a:bodyPr>
+          <a:lstStyle/>
+          <a:p>
+            <a:pPr algn="l" marL="0" indent="0" lvl="0">
+              <a:lnSpc>
+                <a:spcPts val="2879"/>
+              </a:lnSpc>
+            </a:pPr>
+            <a:r>
+              <a:rPr lang="en-US" b="true" sz="2400" spc="48">
+                <a:solidFill>
+                  <a:srgbClr val="000000"/>
+                </a:solidFill>
+                <a:latin typeface="Cabin Bold"/>
+                <a:ea typeface="Cabin Bold"/>
+                <a:cs typeface="Cabin Bold"/>
+                <a:sym typeface="Cabin Bold"/>
+              </a:rPr>
+              <a:t>Đối tượng sử dụng</a:t>
+            </a:r>
+          </a:p>
+        </p:txBody>
+      </p:sp>
       <p:sp>
         <p:nvSpPr>
           <p:cNvPr name="TextBox 30" id="30"/>
+          <p:cNvSpPr txBox="true"/>
+          <p:nvPr/>
+        </p:nvSpPr>
+        <p:spPr>
+          <a:xfrm rot="0">
+            <a:off x="3250103" y="6563126"/>
+            <a:ext cx="5378191" cy="361950"/>
+          </a:xfrm>
+          <a:prstGeom prst="rect">
+            <a:avLst/>
+          </a:prstGeom>
+        </p:spPr>
+        <p:txBody>
+          <a:bodyPr anchor="t" rtlCol="false" tIns="0" lIns="0" bIns="0" rIns="0">
+            <a:spAutoFit/>
+          </a:bodyPr>
+          <a:lstStyle/>
+          <a:p>
+            <a:pPr algn="l" marL="0" indent="0" lvl="0">
+              <a:lnSpc>
+                <a:spcPts val="2879"/>
+              </a:lnSpc>
+            </a:pPr>
+            <a:r>
+              <a:rPr lang="en-US" b="true" sz="2400" spc="48">
+                <a:solidFill>
+                  <a:srgbClr val="000000"/>
+                </a:solidFill>
+                <a:latin typeface="Cabin Bold"/>
+                <a:ea typeface="Cabin Bold"/>
+                <a:cs typeface="Cabin Bold"/>
+                <a:sym typeface="Cabin Bold"/>
+              </a:rPr>
+              <a:t>Tổng quan hệ thống</a:t>
+            </a:r>
+          </a:p>
+        </p:txBody>
+      </p:sp>
+      <p:sp>
+        <p:nvSpPr>
+          <p:cNvPr name="TextBox 31" id="31"/>
           <p:cNvSpPr txBox="true"/>
           <p:nvPr/>
         </p:nvSpPr>
@@ -9665,74 +9907,6 @@
           </a:p>
         </p:txBody>
       </p:sp>
-      <p:sp>
-        <p:nvSpPr>
-          <p:cNvPr name="AutoShape 31" id="31"/>
-          <p:cNvSpPr/>
-          <p:nvPr/>
-        </p:nvSpPr>
-        <p:spPr>
-          <a:xfrm>
-            <a:off x="1028700" y="8993015"/>
-            <a:ext cx="15813054" cy="0"/>
-          </a:xfrm>
-          <a:prstGeom prst="line">
-            <a:avLst/>
-          </a:prstGeom>
-          <a:ln cap="flat" w="38100">
-            <a:solidFill>
-              <a:srgbClr val="D9D9D9"/>
-            </a:solidFill>
-            <a:prstDash val="solid"/>
-            <a:headEnd type="none" len="sm" w="sm"/>
-            <a:tailEnd type="none" len="sm" w="sm"/>
-          </a:ln>
-        </p:spPr>
-      </p:sp>
-      <p:sp>
-        <p:nvSpPr>
-          <p:cNvPr name="TextBox 32" id="32"/>
-          <p:cNvSpPr txBox="true"/>
-          <p:nvPr/>
-        </p:nvSpPr>
-        <p:spPr>
-          <a:xfrm rot="0">
-            <a:off x="1089701" y="8465727"/>
-            <a:ext cx="7673653" cy="405765"/>
-          </a:xfrm>
-          <a:prstGeom prst="rect">
-            <a:avLst/>
-          </a:prstGeom>
-        </p:spPr>
-        <p:txBody>
-          <a:bodyPr anchor="t" rtlCol="false" tIns="0" lIns="0" bIns="0" rIns="0">
-            <a:spAutoFit/>
-          </a:bodyPr>
-          <a:lstStyle/>
-          <a:p>
-            <a:pPr algn="ctr">
-              <a:lnSpc>
-                <a:spcPts val="3359"/>
-              </a:lnSpc>
-              <a:spcBef>
-                <a:spcPct val="0"/>
-              </a:spcBef>
-            </a:pPr>
-            <a:r>
-              <a:rPr lang="en-US" b="true" sz="2400">
-                <a:solidFill>
-                  <a:srgbClr val="000000"/>
-                </a:solidFill>
-                <a:latin typeface="Cabin Bold"/>
-                <a:ea typeface="Cabin Bold"/>
-                <a:cs typeface="Cabin Bold"/>
-                <a:sym typeface="Cabin Bold"/>
-              </a:rPr>
-              <a:t>ĐỀ TÀI: XÂY DỰNG WEBSITE BÁN NỘI THẤT VĂN PHÒNG</a:t>
-            </a:r>
-          </a:p>
-        </p:txBody>
-      </p:sp>
     </p:spTree>
   </p:cSld>
   <p:clrMapOvr>
@@ -9742,7 +9916,7 @@
 </file>
 
 <file path=ppt/slides/slide3.xml><?xml version="1.0" encoding="utf-8"?>
-<p:sld xmlns:p="http://schemas.openxmlformats.org/presentationml/2006/main" xmlns:a="http://schemas.openxmlformats.org/drawingml/2006/main">
+<p:sld xmlns:p="http://schemas.openxmlformats.org/presentationml/2006/main" xmlns:a="http://schemas.openxmlformats.org/drawingml/2006/main" xmlns:r="http://schemas.openxmlformats.org/officeDocument/2006/relationships">
   <p:cSld>
     <p:spTree>
       <p:nvGrpSpPr>
@@ -9900,71 +10074,49 @@
       </p:sp>
       <p:sp>
         <p:nvSpPr>
-          <p:cNvPr name="AutoShape 4" id="4"/>
+          <p:cNvPr name="Freeform 4" id="4"/>
           <p:cNvSpPr/>
           <p:nvPr/>
         </p:nvSpPr>
         <p:spPr>
-          <a:xfrm>
-            <a:off x="619266" y="9705975"/>
-            <a:ext cx="15813054" cy="0"/>
-          </a:xfrm>
-          <a:prstGeom prst="line">
+          <a:xfrm flipH="false" flipV="false" rot="0">
+            <a:off x="15822350" y="262126"/>
+            <a:ext cx="1175910" cy="766574"/>
+          </a:xfrm>
+          <a:custGeom>
             <a:avLst/>
-          </a:prstGeom>
-          <a:ln cap="flat" w="38100">
-            <a:solidFill>
-              <a:srgbClr val="D9D9D9"/>
-            </a:solidFill>
-            <a:prstDash val="solid"/>
-            <a:headEnd type="none" len="sm" w="sm"/>
-            <a:tailEnd type="none" len="sm" w="sm"/>
-          </a:ln>
-        </p:spPr>
-      </p:sp>
-      <p:sp>
-        <p:nvSpPr>
-          <p:cNvPr name="TextBox 5" id="5"/>
-          <p:cNvSpPr txBox="true"/>
-          <p:nvPr/>
-        </p:nvSpPr>
-        <p:spPr>
-          <a:xfrm rot="0">
-            <a:off x="619266" y="9210675"/>
-            <a:ext cx="7673653" cy="405765"/>
-          </a:xfrm>
-          <a:prstGeom prst="rect">
-            <a:avLst/>
-          </a:prstGeom>
-        </p:spPr>
-        <p:txBody>
-          <a:bodyPr anchor="t" rtlCol="false" tIns="0" lIns="0" bIns="0" rIns="0">
-            <a:spAutoFit/>
-          </a:bodyPr>
-          <a:lstStyle/>
-          <a:p>
-            <a:pPr algn="ctr">
-              <a:lnSpc>
-                <a:spcPts val="3359"/>
-              </a:lnSpc>
-              <a:spcBef>
-                <a:spcPct val="0"/>
-              </a:spcBef>
-            </a:pPr>
-            <a:r>
-              <a:rPr lang="en-US" b="true" sz="2400">
-                <a:solidFill>
-                  <a:srgbClr val="000000"/>
-                </a:solidFill>
-                <a:latin typeface="Cabin Bold"/>
-                <a:ea typeface="Cabin Bold"/>
-                <a:cs typeface="Cabin Bold"/>
-                <a:sym typeface="Cabin Bold"/>
-              </a:rPr>
-              <a:t>ĐỀ TÀI: XÂY DỰNG WEBSITE BÁN NỘI THẤT VĂN PHÒNG</a:t>
-            </a:r>
-          </a:p>
-        </p:txBody>
+            <a:gdLst/>
+            <a:ahLst/>
+            <a:cxnLst/>
+            <a:rect r="r" b="b" t="t" l="l"/>
+            <a:pathLst>
+              <a:path h="766574" w="1175910">
+                <a:moveTo>
+                  <a:pt x="0" y="0"/>
+                </a:moveTo>
+                <a:lnTo>
+                  <a:pt x="1175910" y="0"/>
+                </a:lnTo>
+                <a:lnTo>
+                  <a:pt x="1175910" y="766574"/>
+                </a:lnTo>
+                <a:lnTo>
+                  <a:pt x="0" y="766574"/>
+                </a:lnTo>
+                <a:lnTo>
+                  <a:pt x="0" y="0"/>
+                </a:lnTo>
+                <a:close/>
+              </a:path>
+            </a:pathLst>
+          </a:custGeom>
+          <a:blipFill>
+            <a:blip r:embed="rId2"/>
+            <a:stretch>
+              <a:fillRect l="0" t="0" r="0" b="0"/>
+            </a:stretch>
+          </a:blipFill>
+        </p:spPr>
       </p:sp>
     </p:spTree>
   </p:cSld>
@@ -10293,6 +10445,52 @@
           </a:p>
         </p:txBody>
       </p:sp>
+      <p:sp>
+        <p:nvSpPr>
+          <p:cNvPr name="Freeform 9" id="9"/>
+          <p:cNvSpPr/>
+          <p:nvPr/>
+        </p:nvSpPr>
+        <p:spPr>
+          <a:xfrm flipH="false" flipV="false" rot="0">
+            <a:off x="15822350" y="262126"/>
+            <a:ext cx="1175910" cy="766574"/>
+          </a:xfrm>
+          <a:custGeom>
+            <a:avLst/>
+            <a:gdLst/>
+            <a:ahLst/>
+            <a:cxnLst/>
+            <a:rect r="r" b="b" t="t" l="l"/>
+            <a:pathLst>
+              <a:path h="766574" w="1175910">
+                <a:moveTo>
+                  <a:pt x="0" y="0"/>
+                </a:moveTo>
+                <a:lnTo>
+                  <a:pt x="1175910" y="0"/>
+                </a:lnTo>
+                <a:lnTo>
+                  <a:pt x="1175910" y="766574"/>
+                </a:lnTo>
+                <a:lnTo>
+                  <a:pt x="0" y="766574"/>
+                </a:lnTo>
+                <a:lnTo>
+                  <a:pt x="0" y="0"/>
+                </a:lnTo>
+                <a:close/>
+              </a:path>
+            </a:pathLst>
+          </a:custGeom>
+          <a:blipFill>
+            <a:blip r:embed="rId5"/>
+            <a:stretch>
+              <a:fillRect l="0" t="0" r="0" b="0"/>
+            </a:stretch>
+          </a:blipFill>
+        </p:spPr>
+      </p:sp>
     </p:spTree>
   </p:cSld>
   <p:clrMapOvr>
@@ -10794,6 +10992,52 @@
           </a:p>
         </p:txBody>
       </p:sp>
+      <p:sp>
+        <p:nvSpPr>
+          <p:cNvPr name="Freeform 13" id="13"/>
+          <p:cNvSpPr/>
+          <p:nvPr/>
+        </p:nvSpPr>
+        <p:spPr>
+          <a:xfrm flipH="false" flipV="false" rot="0">
+            <a:off x="16357500" y="94669"/>
+            <a:ext cx="1175910" cy="766574"/>
+          </a:xfrm>
+          <a:custGeom>
+            <a:avLst/>
+            <a:gdLst/>
+            <a:ahLst/>
+            <a:cxnLst/>
+            <a:rect r="r" b="b" t="t" l="l"/>
+            <a:pathLst>
+              <a:path h="766574" w="1175910">
+                <a:moveTo>
+                  <a:pt x="0" y="0"/>
+                </a:moveTo>
+                <a:lnTo>
+                  <a:pt x="1175910" y="0"/>
+                </a:lnTo>
+                <a:lnTo>
+                  <a:pt x="1175910" y="766574"/>
+                </a:lnTo>
+                <a:lnTo>
+                  <a:pt x="0" y="766574"/>
+                </a:lnTo>
+                <a:lnTo>
+                  <a:pt x="0" y="0"/>
+                </a:lnTo>
+                <a:close/>
+              </a:path>
+            </a:pathLst>
+          </a:custGeom>
+          <a:blipFill>
+            <a:blip r:embed="rId7"/>
+            <a:stretch>
+              <a:fillRect l="0" t="0" r="0" b="0"/>
+            </a:stretch>
+          </a:blipFill>
+        </p:spPr>
+      </p:sp>
     </p:spTree>
   </p:cSld>
   <p:clrMapOvr>
@@ -11657,6 +11901,52 @@
             </a:r>
           </a:p>
         </p:txBody>
+      </p:sp>
+      <p:sp>
+        <p:nvSpPr>
+          <p:cNvPr name="Freeform 21" id="21"/>
+          <p:cNvSpPr/>
+          <p:nvPr/>
+        </p:nvSpPr>
+        <p:spPr>
+          <a:xfrm flipH="false" flipV="false" rot="0">
+            <a:off x="16083390" y="262126"/>
+            <a:ext cx="1175910" cy="766574"/>
+          </a:xfrm>
+          <a:custGeom>
+            <a:avLst/>
+            <a:gdLst/>
+            <a:ahLst/>
+            <a:cxnLst/>
+            <a:rect r="r" b="b" t="t" l="l"/>
+            <a:pathLst>
+              <a:path h="766574" w="1175910">
+                <a:moveTo>
+                  <a:pt x="0" y="0"/>
+                </a:moveTo>
+                <a:lnTo>
+                  <a:pt x="1175910" y="0"/>
+                </a:lnTo>
+                <a:lnTo>
+                  <a:pt x="1175910" y="766574"/>
+                </a:lnTo>
+                <a:lnTo>
+                  <a:pt x="0" y="766574"/>
+                </a:lnTo>
+                <a:lnTo>
+                  <a:pt x="0" y="0"/>
+                </a:lnTo>
+                <a:close/>
+              </a:path>
+            </a:pathLst>
+          </a:custGeom>
+          <a:blipFill>
+            <a:blip r:embed="rId11"/>
+            <a:stretch>
+              <a:fillRect l="0" t="0" r="0" b="0"/>
+            </a:stretch>
+          </a:blipFill>
+        </p:spPr>
       </p:sp>
     </p:spTree>
   </p:cSld>
@@ -11698,7 +11988,7 @@
         </p:nvSpPr>
         <p:spPr>
           <a:xfrm flipH="false" flipV="false" rot="0">
-            <a:off x="5562838" y="0"/>
+            <a:off x="6789411" y="0"/>
             <a:ext cx="7162324" cy="10287000"/>
           </a:xfrm>
           <a:custGeom>
@@ -11735,6 +12025,112 @@
             </a:stretch>
           </a:blipFill>
         </p:spPr>
+      </p:sp>
+      <p:sp>
+        <p:nvSpPr>
+          <p:cNvPr name="Freeform 3" id="3"/>
+          <p:cNvSpPr/>
+          <p:nvPr/>
+        </p:nvSpPr>
+        <p:spPr>
+          <a:xfrm flipH="false" flipV="false" rot="0">
+            <a:off x="15822350" y="262126"/>
+            <a:ext cx="1175910" cy="766574"/>
+          </a:xfrm>
+          <a:custGeom>
+            <a:avLst/>
+            <a:gdLst/>
+            <a:ahLst/>
+            <a:cxnLst/>
+            <a:rect r="r" b="b" t="t" l="l"/>
+            <a:pathLst>
+              <a:path h="766574" w="1175910">
+                <a:moveTo>
+                  <a:pt x="0" y="0"/>
+                </a:moveTo>
+                <a:lnTo>
+                  <a:pt x="1175910" y="0"/>
+                </a:lnTo>
+                <a:lnTo>
+                  <a:pt x="1175910" y="766574"/>
+                </a:lnTo>
+                <a:lnTo>
+                  <a:pt x="0" y="766574"/>
+                </a:lnTo>
+                <a:lnTo>
+                  <a:pt x="0" y="0"/>
+                </a:lnTo>
+                <a:close/>
+              </a:path>
+            </a:pathLst>
+          </a:custGeom>
+          <a:blipFill>
+            <a:blip r:embed="rId3"/>
+            <a:stretch>
+              <a:fillRect l="0" t="0" r="0" b="0"/>
+            </a:stretch>
+          </a:blipFill>
+        </p:spPr>
+      </p:sp>
+      <p:sp>
+        <p:nvSpPr>
+          <p:cNvPr name="TextBox 4" id="4"/>
+          <p:cNvSpPr txBox="true"/>
+          <p:nvPr/>
+        </p:nvSpPr>
+        <p:spPr>
+          <a:xfrm rot="0">
+            <a:off x="0" y="3534776"/>
+            <a:ext cx="6500922" cy="1995770"/>
+          </a:xfrm>
+          <a:prstGeom prst="rect">
+            <a:avLst/>
+          </a:prstGeom>
+        </p:spPr>
+        <p:txBody>
+          <a:bodyPr anchor="t" rtlCol="false" tIns="0" lIns="0" bIns="0" rIns="0">
+            <a:spAutoFit/>
+          </a:bodyPr>
+          <a:lstStyle/>
+          <a:p>
+            <a:pPr algn="ctr">
+              <a:lnSpc>
+                <a:spcPts val="7872"/>
+              </a:lnSpc>
+            </a:pPr>
+            <a:r>
+              <a:rPr lang="en-US" b="true" sz="6400">
+                <a:solidFill>
+                  <a:srgbClr val="3EDAD8"/>
+                </a:solidFill>
+                <a:latin typeface="Quicksand Bold"/>
+                <a:ea typeface="Quicksand Bold"/>
+                <a:cs typeface="Quicksand Bold"/>
+                <a:sym typeface="Quicksand Bold"/>
+              </a:rPr>
+              <a:t>DATABASE</a:t>
+            </a:r>
+          </a:p>
+          <a:p>
+            <a:pPr algn="ctr">
+              <a:lnSpc>
+                <a:spcPts val="7872"/>
+              </a:lnSpc>
+            </a:pPr>
+            <a:r>
+              <a:rPr lang="en-US" b="true" sz="6400">
+                <a:solidFill>
+                  <a:srgbClr val="3EDAD8"/>
+                </a:solidFill>
+                <a:latin typeface="Quicksand Bold"/>
+                <a:ea typeface="Quicksand Bold"/>
+                <a:cs typeface="Quicksand Bold"/>
+                <a:sym typeface="Quicksand Bold"/>
+              </a:rPr>
+              <a:t>RELATIONSHIP</a:t>
+            </a:r>
+          </a:p>
+        </p:txBody>
       </p:sp>
     </p:spTree>
   </p:cSld>
@@ -11848,6 +12244,52 @@
           </a:p>
         </p:txBody>
       </p:sp>
+      <p:sp>
+        <p:nvSpPr>
+          <p:cNvPr name="Freeform 4" id="4"/>
+          <p:cNvSpPr/>
+          <p:nvPr/>
+        </p:nvSpPr>
+        <p:spPr>
+          <a:xfrm flipH="false" flipV="false" rot="0">
+            <a:off x="16257374" y="118110"/>
+            <a:ext cx="1175910" cy="766574"/>
+          </a:xfrm>
+          <a:custGeom>
+            <a:avLst/>
+            <a:gdLst/>
+            <a:ahLst/>
+            <a:cxnLst/>
+            <a:rect r="r" b="b" t="t" l="l"/>
+            <a:pathLst>
+              <a:path h="766574" w="1175910">
+                <a:moveTo>
+                  <a:pt x="0" y="0"/>
+                </a:moveTo>
+                <a:lnTo>
+                  <a:pt x="1175910" y="0"/>
+                </a:lnTo>
+                <a:lnTo>
+                  <a:pt x="1175910" y="766574"/>
+                </a:lnTo>
+                <a:lnTo>
+                  <a:pt x="0" y="766574"/>
+                </a:lnTo>
+                <a:lnTo>
+                  <a:pt x="0" y="0"/>
+                </a:lnTo>
+                <a:close/>
+              </a:path>
+            </a:pathLst>
+          </a:custGeom>
+          <a:blipFill>
+            <a:blip r:embed="rId3"/>
+            <a:stretch>
+              <a:fillRect l="0" t="0" r="0" b="0"/>
+            </a:stretch>
+          </a:blipFill>
+        </p:spPr>
+      </p:sp>
     </p:spTree>
   </p:cSld>
   <p:clrMapOvr>
@@ -11918,6 +12360,134 @@
             </a:stretch>
           </a:blipFill>
         </p:spPr>
+      </p:sp>
+      <p:sp>
+        <p:nvSpPr>
+          <p:cNvPr name="Freeform 3" id="3"/>
+          <p:cNvSpPr/>
+          <p:nvPr/>
+        </p:nvSpPr>
+        <p:spPr>
+          <a:xfrm flipH="false" flipV="false" rot="0">
+            <a:off x="16083390" y="262126"/>
+            <a:ext cx="1175910" cy="766574"/>
+          </a:xfrm>
+          <a:custGeom>
+            <a:avLst/>
+            <a:gdLst/>
+            <a:ahLst/>
+            <a:cxnLst/>
+            <a:rect r="r" b="b" t="t" l="l"/>
+            <a:pathLst>
+              <a:path h="766574" w="1175910">
+                <a:moveTo>
+                  <a:pt x="0" y="0"/>
+                </a:moveTo>
+                <a:lnTo>
+                  <a:pt x="1175910" y="0"/>
+                </a:lnTo>
+                <a:lnTo>
+                  <a:pt x="1175910" y="766574"/>
+                </a:lnTo>
+                <a:lnTo>
+                  <a:pt x="0" y="766574"/>
+                </a:lnTo>
+                <a:lnTo>
+                  <a:pt x="0" y="0"/>
+                </a:lnTo>
+                <a:close/>
+              </a:path>
+            </a:pathLst>
+          </a:custGeom>
+          <a:blipFill>
+            <a:blip r:embed="rId3"/>
+            <a:stretch>
+              <a:fillRect l="0" t="0" r="0" b="0"/>
+            </a:stretch>
+          </a:blipFill>
+        </p:spPr>
+      </p:sp>
+      <p:sp>
+        <p:nvSpPr>
+          <p:cNvPr name="TextBox 4" id="4"/>
+          <p:cNvSpPr txBox="true"/>
+          <p:nvPr/>
+        </p:nvSpPr>
+        <p:spPr>
+          <a:xfrm rot="0">
+            <a:off x="765878" y="243076"/>
+            <a:ext cx="17157178" cy="929640"/>
+          </a:xfrm>
+          <a:prstGeom prst="rect">
+            <a:avLst/>
+          </a:prstGeom>
+        </p:spPr>
+        <p:txBody>
+          <a:bodyPr anchor="t" rtlCol="false" tIns="0" lIns="0" bIns="0" rIns="0">
+            <a:spAutoFit/>
+          </a:bodyPr>
+          <a:lstStyle/>
+          <a:p>
+            <a:pPr algn="ctr">
+              <a:lnSpc>
+                <a:spcPts val="7380"/>
+              </a:lnSpc>
+            </a:pPr>
+            <a:r>
+              <a:rPr lang="en-US" b="true" sz="6000">
+                <a:solidFill>
+                  <a:srgbClr val="3EDAD8"/>
+                </a:solidFill>
+                <a:latin typeface="Quicksand Bold"/>
+                <a:ea typeface="Quicksand Bold"/>
+                <a:cs typeface="Quicksand Bold"/>
+                <a:sym typeface="Quicksand Bold"/>
+              </a:rPr>
+              <a:t>TỔNG QUAN HỆ THỐNG</a:t>
+            </a:r>
+          </a:p>
+        </p:txBody>
+      </p:sp>
+      <p:sp>
+        <p:nvSpPr>
+          <p:cNvPr name="TextBox 5" id="5"/>
+          <p:cNvSpPr txBox="true"/>
+          <p:nvPr/>
+        </p:nvSpPr>
+        <p:spPr>
+          <a:xfrm rot="0">
+            <a:off x="1209670" y="2083467"/>
+            <a:ext cx="6258777" cy="539115"/>
+          </a:xfrm>
+          <a:prstGeom prst="rect">
+            <a:avLst/>
+          </a:prstGeom>
+        </p:spPr>
+        <p:txBody>
+          <a:bodyPr anchor="t" rtlCol="false" tIns="0" lIns="0" bIns="0" rIns="0">
+            <a:spAutoFit/>
+          </a:bodyPr>
+          <a:lstStyle/>
+          <a:p>
+            <a:pPr algn="ctr">
+              <a:lnSpc>
+                <a:spcPts val="4305"/>
+              </a:lnSpc>
+            </a:pPr>
+            <a:r>
+              <a:rPr lang="en-US" b="true" sz="3500">
+                <a:solidFill>
+                  <a:srgbClr val="3EDAD8"/>
+                </a:solidFill>
+                <a:latin typeface="Quicksand Bold"/>
+                <a:ea typeface="Quicksand Bold"/>
+                <a:cs typeface="Quicksand Bold"/>
+                <a:sym typeface="Quicksand Bold"/>
+              </a:rPr>
+              <a:t>TỔNG QUAN HỆ THỐNG AI</a:t>
+            </a:r>
+          </a:p>
+        </p:txBody>
       </p:sp>
     </p:spTree>
   </p:cSld>
